--- a/flutter business plan_Dcamp.pptx
+++ b/flutter business plan_Dcamp.pptx
@@ -121,7 +121,7 @@
   </p:defaultTextStyle>
   <p:extLst>
     <p:ext uri="{EFAFB233-063F-42B5-8137-9DF3F51BA10A}">
-      <p15:sldGuideLst xmlns:p15="http://schemas.microsoft.com/office/powerpoint/2012/main" xmlns="">
+      <p15:sldGuideLst xmlns:p15="http://schemas.microsoft.com/office/powerpoint/2012/main">
         <p15:guide id="1" orient="horz" pos="2160">
           <p15:clr>
             <a:srgbClr val="A4A3A4"/>
@@ -135,7 +135,7 @@
       </p15:sldGuideLst>
     </p:ext>
     <p:ext uri="{2D200454-40CA-4A62-9FC3-DE9A4176ACB9}">
-      <p15:notesGuideLst xmlns:p15="http://schemas.microsoft.com/office/powerpoint/2012/main" xmlns="">
+      <p15:notesGuideLst xmlns:p15="http://schemas.microsoft.com/office/powerpoint/2012/main">
         <p15:guide id="1" orient="horz" pos="2880">
           <p15:clr>
             <a:srgbClr val="A4A3A4"/>
@@ -4141,16 +4141,7 @@
                 </a:solidFill>
                 <a:latin typeface="+mn-ea"/>
               </a:rPr>
-              <a:t>Flutter </a:t>
-            </a:r>
-            <a:r>
-              <a:rPr lang="en-US" altLang="ko-KR" sz="1400" b="1" dirty="0" smtClean="0">
-                <a:solidFill>
-                  <a:schemeClr val="tx1"/>
-                </a:solidFill>
-                <a:latin typeface="+mn-ea"/>
-              </a:rPr>
-              <a:t>MVP </a:t>
+              <a:t>Flutter MVP </a:t>
             </a:r>
             <a:r>
               <a:rPr lang="ko-KR" altLang="en-US" sz="1400" b="1" dirty="0" smtClean="0">
@@ -6657,16 +6648,7 @@
                 </a:solidFill>
                 <a:latin typeface="+mn-ea"/>
               </a:rPr>
-              <a:t>. </a:t>
-            </a:r>
-            <a:r>
-              <a:rPr lang="en-US" altLang="ko-KR" sz="1400" b="1" dirty="0" smtClean="0">
-                <a:solidFill>
-                  <a:schemeClr val="tx1"/>
-                </a:solidFill>
-                <a:latin typeface="+mn-ea"/>
-              </a:rPr>
-              <a:t>Relation, Role, Reward </a:t>
+              <a:t>. Relation, Role, Reward </a:t>
             </a:r>
             <a:r>
               <a:rPr lang="ko-KR" altLang="en-US" sz="1400" b="1" dirty="0" smtClean="0">
@@ -7467,16 +7449,7 @@
                 </a:solidFill>
                 <a:latin typeface="+mn-ea"/>
               </a:rPr>
-              <a:t>(</a:t>
-            </a:r>
-            <a:r>
-              <a:rPr lang="en-US" altLang="ko-KR" sz="1000" dirty="0" smtClean="0">
-                <a:solidFill>
-                  <a:schemeClr val="tx1"/>
-                </a:solidFill>
-                <a:latin typeface="+mn-ea"/>
-              </a:rPr>
-              <a:t>’08.09~’16.08)</a:t>
+              <a:t>(’08.09~’16.08)</a:t>
             </a:r>
           </a:p>
           <a:p>
@@ -8116,16 +8089,7 @@
                 </a:solidFill>
                 <a:latin typeface="+mn-ea"/>
               </a:rPr>
-              <a:t>수석 </a:t>
-            </a:r>
-            <a:r>
-              <a:rPr lang="ko-KR" altLang="en-US" sz="1000" dirty="0" smtClean="0">
-                <a:solidFill>
-                  <a:schemeClr val="tx1"/>
-                </a:solidFill>
-                <a:latin typeface="+mn-ea"/>
-              </a:rPr>
-              <a:t>프로그래머</a:t>
+              <a:t>수석 프로그래머</a:t>
             </a:r>
             <a:endParaRPr lang="en-US" altLang="ko-KR" sz="1000" dirty="0" smtClean="0">
               <a:solidFill>
@@ -11899,7 +11863,16 @@
                 </a:solidFill>
                 <a:latin typeface="+mn-ea"/>
               </a:rPr>
-              <a:t>처럼 </a:t>
+              <a:t>처럼 특정 시점의 소통을 위한 도구가 아닌 여행 공유 네트워크가 필요하다고 생각합니다</a:t>
+            </a:r>
+            <a:r>
+              <a:rPr lang="en-US" altLang="ko-KR" sz="1400" b="1" dirty="0" smtClean="0">
+                <a:solidFill>
+                  <a:schemeClr val="tx1"/>
+                </a:solidFill>
+                <a:latin typeface="+mn-ea"/>
+              </a:rPr>
+              <a:t>.</a:t>
             </a:r>
             <a:r>
               <a:rPr lang="ko-KR" altLang="en-US" sz="1400" b="1" dirty="0" smtClean="0">
@@ -11908,7 +11881,16 @@
                 </a:solidFill>
                 <a:latin typeface="+mn-ea"/>
               </a:rPr>
-              <a:t>특정 시점의 소통을 위한 도구가 아닌 </a:t>
+              <a:t> 개개인의 두근거리는 자유감정이 모여 의미 있는 설렘으로 나아가자는 목적으로 </a:t>
+            </a:r>
+            <a:r>
+              <a:rPr lang="en-US" altLang="ko-KR" sz="1400" b="1" dirty="0" smtClean="0">
+                <a:solidFill>
+                  <a:schemeClr val="tx1"/>
+                </a:solidFill>
+                <a:latin typeface="+mn-ea"/>
+              </a:rPr>
+              <a:t>flutter</a:t>
             </a:r>
             <a:r>
               <a:rPr lang="ko-KR" altLang="en-US" sz="1400" b="1" dirty="0" smtClean="0">
@@ -11917,70 +11899,7 @@
                 </a:solidFill>
                 <a:latin typeface="+mn-ea"/>
               </a:rPr>
-              <a:t>여행 공유 네트워크가 </a:t>
-            </a:r>
-            <a:r>
-              <a:rPr lang="ko-KR" altLang="en-US" sz="1400" b="1" dirty="0" smtClean="0">
-                <a:solidFill>
-                  <a:schemeClr val="tx1"/>
-                </a:solidFill>
-                <a:latin typeface="+mn-ea"/>
-              </a:rPr>
-              <a:t>필요하다고 </a:t>
-            </a:r>
-            <a:r>
-              <a:rPr lang="ko-KR" altLang="en-US" sz="1400" b="1" dirty="0" smtClean="0">
-                <a:solidFill>
-                  <a:schemeClr val="tx1"/>
-                </a:solidFill>
-                <a:latin typeface="+mn-ea"/>
-              </a:rPr>
-              <a:t>생각합니다</a:t>
-            </a:r>
-            <a:r>
-              <a:rPr lang="en-US" altLang="ko-KR" sz="1400" b="1" dirty="0" smtClean="0">
-                <a:solidFill>
-                  <a:schemeClr val="tx1"/>
-                </a:solidFill>
-                <a:latin typeface="+mn-ea"/>
-              </a:rPr>
-              <a:t>.</a:t>
-            </a:r>
-            <a:r>
-              <a:rPr lang="ko-KR" altLang="en-US" sz="1400" b="1" dirty="0" smtClean="0">
-                <a:solidFill>
-                  <a:schemeClr val="tx1"/>
-                </a:solidFill>
-                <a:latin typeface="+mn-ea"/>
-              </a:rPr>
-              <a:t> 개개인의 두근거리는 자유감정이 모여 의미 있는 설렘으로 나아가자는 목적으로 </a:t>
-            </a:r>
-            <a:r>
-              <a:rPr lang="en-US" altLang="ko-KR" sz="1400" b="1" dirty="0" smtClean="0">
-                <a:solidFill>
-                  <a:schemeClr val="tx1"/>
-                </a:solidFill>
-                <a:latin typeface="+mn-ea"/>
-              </a:rPr>
-              <a:t>flutter</a:t>
-            </a:r>
-            <a:r>
-              <a:rPr lang="ko-KR" altLang="en-US" sz="1400" b="1" dirty="0" smtClean="0">
-                <a:solidFill>
-                  <a:schemeClr val="tx1"/>
-                </a:solidFill>
-                <a:latin typeface="+mn-ea"/>
-              </a:rPr>
-              <a:t>를 </a:t>
-            </a:r>
-            <a:r>
-              <a:rPr lang="ko-KR" altLang="en-US" sz="1400" b="1" dirty="0" smtClean="0">
-                <a:solidFill>
-                  <a:schemeClr val="tx1"/>
-                </a:solidFill>
-                <a:latin typeface="+mn-ea"/>
-              </a:rPr>
-              <a:t>설립하였습니다</a:t>
+              <a:t>를 설립하였습니다</a:t>
             </a:r>
             <a:r>
               <a:rPr lang="en-US" altLang="ko-KR" sz="1400" b="1" dirty="0" smtClean="0">
@@ -12390,25 +12309,7 @@
                 </a:solidFill>
                 <a:latin typeface="+mn-ea"/>
               </a:rPr>
-              <a:t>&amp; Rewards after </a:t>
-            </a:r>
-            <a:r>
-              <a:rPr lang="en-US" altLang="ko-KR" sz="1400" b="1" dirty="0" smtClean="0">
-                <a:solidFill>
-                  <a:schemeClr val="tx1"/>
-                </a:solidFill>
-                <a:latin typeface="+mn-ea"/>
-              </a:rPr>
-              <a:t>Shar</a:t>
-            </a:r>
-            <a:r>
-              <a:rPr lang="en-US" altLang="ko-KR" sz="1400" b="1" dirty="0" smtClean="0">
-                <a:solidFill>
-                  <a:schemeClr val="tx1"/>
-                </a:solidFill>
-                <a:latin typeface="+mn-ea"/>
-              </a:rPr>
-              <a:t>ing</a:t>
+              <a:t>&amp; Rewards after Sharing</a:t>
             </a:r>
             <a:endParaRPr lang="ko-KR" altLang="en-US" sz="1400" b="1" dirty="0" smtClean="0">
               <a:solidFill>
@@ -12488,13 +12389,13 @@
               <a:t>for </a:t>
             </a:r>
             <a:r>
-              <a:rPr lang="en-US" altLang="ko-KR" sz="1400" b="1" dirty="0" err="1" smtClean="0">
-                <a:solidFill>
-                  <a:schemeClr val="tx1"/>
-                </a:solidFill>
-                <a:latin typeface="+mn-ea"/>
-              </a:rPr>
-              <a:t>travlers</a:t>
+              <a:rPr lang="en-US" altLang="ko-KR" sz="1400" b="1" dirty="0" smtClean="0">
+                <a:solidFill>
+                  <a:schemeClr val="tx1"/>
+                </a:solidFill>
+                <a:latin typeface="+mn-ea"/>
+              </a:rPr>
+              <a:t>travelers</a:t>
             </a:r>
             <a:endParaRPr lang="en-US" altLang="ko-KR" sz="1400" b="1" dirty="0">
               <a:solidFill>
@@ -12621,7 +12522,11 @@
             </a:r>
             <a:r>
               <a:rPr lang="en-US" altLang="ko-KR" sz="3600" b="1" dirty="0" smtClean="0"/>
-              <a:t>1) ’17 </a:t>
+              <a:t>1) </a:t>
+            </a:r>
+            <a:r>
+              <a:rPr lang="en-US" altLang="ko-KR" sz="3600" b="1" dirty="0" smtClean="0"/>
+              <a:t>’16 </a:t>
             </a:r>
             <a:r>
               <a:rPr lang="ko-KR" altLang="en-US" sz="3600" b="1" dirty="0" smtClean="0"/>
@@ -16736,7 +16641,25 @@
                 </a:solidFill>
                 <a:latin typeface="+mn-ea"/>
               </a:rPr>
-              <a:t>연도별 해외출국자수는 증가하는 추세이며</a:t>
+              <a:t>연도별 </a:t>
+            </a:r>
+            <a:r>
+              <a:rPr lang="ko-KR" altLang="en-US" sz="1400" b="1" dirty="0" smtClean="0">
+                <a:solidFill>
+                  <a:schemeClr val="tx1"/>
+                </a:solidFill>
+                <a:latin typeface="+mn-ea"/>
+              </a:rPr>
+              <a:t>해외출국자수와 스마트폰 </a:t>
+            </a:r>
+            <a:r>
+              <a:rPr lang="ko-KR" altLang="en-US" sz="1400" b="1" dirty="0" smtClean="0">
+                <a:solidFill>
+                  <a:schemeClr val="tx1"/>
+                </a:solidFill>
+                <a:latin typeface="+mn-ea"/>
+              </a:rPr>
+              <a:t>사용자율 증가세는 세계적인 추세입니다</a:t>
             </a:r>
             <a:r>
               <a:rPr lang="en-US" altLang="ko-KR" sz="1400" b="1" dirty="0" smtClean="0">
@@ -16745,16 +16668,7 @@
                 </a:solidFill>
                 <a:latin typeface="+mn-ea"/>
               </a:rPr>
-              <a:t>, </a:t>
-            </a:r>
-            <a:r>
-              <a:rPr lang="ko-KR" altLang="en-US" sz="1400" b="1" dirty="0" err="1" smtClean="0">
-                <a:solidFill>
-                  <a:schemeClr val="tx1"/>
-                </a:solidFill>
-                <a:latin typeface="+mn-ea"/>
-              </a:rPr>
-              <a:t>스마트폰</a:t>
+              <a:t>. </a:t>
             </a:r>
             <a:r>
               <a:rPr lang="ko-KR" altLang="en-US" sz="1400" b="1" dirty="0" smtClean="0">
@@ -16763,7 +16677,7 @@
                 </a:solidFill>
                 <a:latin typeface="+mn-ea"/>
               </a:rPr>
-              <a:t> 사용자율 증가세는 세계적인 추세입니다</a:t>
+              <a:t>광고 시장 또한 </a:t>
             </a:r>
             <a:r>
               <a:rPr lang="en-US" altLang="ko-KR" sz="1400" b="1" dirty="0" smtClean="0">
@@ -16772,7 +16686,7 @@
                 </a:solidFill>
                 <a:latin typeface="+mn-ea"/>
               </a:rPr>
-              <a:t>. </a:t>
+              <a:t>PC</a:t>
             </a:r>
             <a:r>
               <a:rPr lang="ko-KR" altLang="en-US" sz="1400" b="1" dirty="0" smtClean="0">
@@ -16781,16 +16695,7 @@
                 </a:solidFill>
                 <a:latin typeface="+mn-ea"/>
               </a:rPr>
-              <a:t>광고 시장 또한 웹에서 </a:t>
-            </a:r>
-            <a:r>
-              <a:rPr lang="ko-KR" altLang="en-US" sz="1400" b="1" dirty="0" err="1" smtClean="0">
-                <a:solidFill>
-                  <a:schemeClr val="tx1"/>
-                </a:solidFill>
-                <a:latin typeface="+mn-ea"/>
-              </a:rPr>
-              <a:t>모바일로</a:t>
+              <a:t>에서 </a:t>
             </a:r>
             <a:r>
               <a:rPr lang="ko-KR" altLang="en-US" sz="1400" b="1" dirty="0" smtClean="0">
@@ -16799,7 +16704,7 @@
                 </a:solidFill>
                 <a:latin typeface="+mn-ea"/>
               </a:rPr>
-              <a:t> 성장동력이 이동하고 있습니다</a:t>
+              <a:t>모바일로 성장동력이 이동하고 있습니다</a:t>
             </a:r>
             <a:r>
               <a:rPr lang="en-US" altLang="ko-KR" sz="1400" b="1" dirty="0" smtClean="0">
@@ -17294,7 +17199,25 @@
                 </a:solidFill>
                 <a:latin typeface="+mn-ea"/>
               </a:rPr>
-              <a:t>2016. 01 ~07 </a:t>
+              <a:t>‘</a:t>
+            </a:r>
+            <a:r>
+              <a:rPr lang="en-US" altLang="ko-KR" sz="900" i="1" dirty="0" smtClean="0">
+                <a:solidFill>
+                  <a:schemeClr val="tx1"/>
+                </a:solidFill>
+                <a:latin typeface="+mn-ea"/>
+              </a:rPr>
+              <a:t>16</a:t>
+            </a:r>
+            <a:r>
+              <a:rPr lang="en-US" altLang="ko-KR" sz="900" i="1" dirty="0" smtClean="0">
+                <a:solidFill>
+                  <a:schemeClr val="tx1"/>
+                </a:solidFill>
+                <a:latin typeface="+mn-ea"/>
+              </a:rPr>
+              <a:t>. 01 ~07 </a:t>
             </a:r>
             <a:r>
               <a:rPr lang="ko-KR" altLang="en-US" sz="900" i="1" dirty="0" smtClean="0">
@@ -17612,13 +17535,85 @@
               <a:t>. </a:t>
             </a:r>
             <a:r>
+              <a:rPr lang="en-US" altLang="ko-KR" sz="1400" b="1" dirty="0" smtClean="0">
+                <a:solidFill>
+                  <a:schemeClr val="tx1"/>
+                </a:solidFill>
+                <a:latin typeface="+mn-ea"/>
+              </a:rPr>
+              <a:t>1</a:t>
+            </a:r>
+            <a:r>
+              <a:rPr lang="ko-KR" altLang="en-US" sz="1400" b="1" dirty="0" smtClean="0">
+                <a:solidFill>
+                  <a:schemeClr val="tx1"/>
+                </a:solidFill>
+                <a:latin typeface="+mn-ea"/>
+              </a:rPr>
+              <a:t>인 가구의 증가와 독립적 행복을 추구하는 사회적 추세에 </a:t>
+            </a:r>
+            <a:r>
+              <a:rPr lang="ko-KR" altLang="en-US" sz="1400" b="1" dirty="0" smtClean="0">
+                <a:solidFill>
+                  <a:schemeClr val="tx1"/>
+                </a:solidFill>
+                <a:latin typeface="+mn-ea"/>
+              </a:rPr>
+              <a:t>따라 </a:t>
+            </a:r>
+            <a:r>
+              <a:rPr lang="ko-KR" altLang="en-US" sz="1400" b="1" dirty="0" smtClean="0">
+                <a:solidFill>
+                  <a:schemeClr val="tx1"/>
+                </a:solidFill>
+                <a:latin typeface="+mn-ea"/>
+              </a:rPr>
+              <a:t>기존 패키지 </a:t>
+            </a:r>
+            <a:r>
+              <a:rPr lang="ko-KR" altLang="en-US" sz="1400" b="1" dirty="0" smtClean="0">
+                <a:solidFill>
+                  <a:schemeClr val="tx1"/>
+                </a:solidFill>
+                <a:latin typeface="+mn-ea"/>
+              </a:rPr>
+              <a:t>여행에서 개별 자유여행</a:t>
+            </a:r>
+            <a:r>
+              <a:rPr lang="en-US" altLang="ko-KR" sz="1400" b="1" dirty="0" smtClean="0">
+                <a:solidFill>
+                  <a:schemeClr val="tx1"/>
+                </a:solidFill>
+                <a:latin typeface="+mn-ea"/>
+              </a:rPr>
+              <a:t>(FIT)</a:t>
+            </a:r>
+            <a:r>
+              <a:rPr lang="ko-KR" altLang="en-US" sz="1400" b="1" dirty="0" smtClean="0">
+                <a:solidFill>
+                  <a:schemeClr val="tx1"/>
+                </a:solidFill>
+                <a:latin typeface="+mn-ea"/>
+              </a:rPr>
+              <a:t>으로 트렌드가 </a:t>
+            </a:r>
+            <a:r>
+              <a:rPr lang="ko-KR" altLang="en-US" sz="1400" b="1" dirty="0" smtClean="0">
+                <a:solidFill>
+                  <a:schemeClr val="tx1"/>
+                </a:solidFill>
+                <a:latin typeface="+mn-ea"/>
+              </a:rPr>
+              <a:t>변화하고 모바일을 통한 온라인 </a:t>
+            </a:r>
+            <a:r>
               <a:rPr lang="ko-KR" altLang="en-US" sz="1400" b="1" dirty="0" err="1" smtClean="0">
                 <a:solidFill>
                   <a:schemeClr val="tx1"/>
                 </a:solidFill>
                 <a:latin typeface="+mn-ea"/>
               </a:rPr>
-              <a:t>모바일</a:t>
+              <a:t>여행시장이</a:t>
             </a:r>
             <a:r>
               <a:rPr lang="ko-KR" altLang="en-US" sz="1400" b="1" dirty="0" smtClean="0">
@@ -17627,16 +17622,7 @@
                 </a:solidFill>
                 <a:latin typeface="+mn-ea"/>
               </a:rPr>
-              <a:t> 플랫폼의 등장과 발전에 따라 패키지 여행에서 개별 자유여행</a:t>
-            </a:r>
-            <a:r>
-              <a:rPr lang="en-US" altLang="ko-KR" sz="1400" b="1" dirty="0" smtClean="0">
-                <a:solidFill>
-                  <a:schemeClr val="tx1"/>
-                </a:solidFill>
-                <a:latin typeface="+mn-ea"/>
-              </a:rPr>
-              <a:t>(FIT)</a:t>
+              <a:t> 더욱 활성화될 </a:t>
             </a:r>
             <a:r>
               <a:rPr lang="ko-KR" altLang="en-US" sz="1400" b="1" dirty="0" smtClean="0">
@@ -17645,25 +17631,7 @@
                 </a:solidFill>
                 <a:latin typeface="+mn-ea"/>
               </a:rPr>
-              <a:t>으로 </a:t>
-            </a:r>
-            <a:r>
-              <a:rPr lang="ko-KR" altLang="en-US" sz="1400" b="1" dirty="0" err="1" smtClean="0">
-                <a:solidFill>
-                  <a:schemeClr val="tx1"/>
-                </a:solidFill>
-                <a:latin typeface="+mn-ea"/>
-              </a:rPr>
-              <a:t>트렌드가</a:t>
-            </a:r>
-            <a:r>
-              <a:rPr lang="ko-KR" altLang="en-US" sz="1400" b="1" dirty="0" smtClean="0">
-                <a:solidFill>
-                  <a:schemeClr val="tx1"/>
-                </a:solidFill>
-                <a:latin typeface="+mn-ea"/>
-              </a:rPr>
-              <a:t> 변화하는 여행 시장에서 온라인 상거래를 활성화할 것입니다</a:t>
+              <a:t>것입니다</a:t>
             </a:r>
             <a:r>
               <a:rPr lang="en-US" altLang="ko-KR" sz="1400" b="1" dirty="0" smtClean="0">
